--- a/banner.pptx
+++ b/banner.pptx
@@ -5,16 +5,18 @@
     <p:sldMasterId id="2147483648" r:id="rId1"/>
   </p:sldMasterIdLst>
   <p:notesMasterIdLst>
-    <p:notesMasterId r:id="rId4"/>
+    <p:notesMasterId r:id="rId5"/>
   </p:notesMasterIdLst>
   <p:handoutMasterIdLst>
-    <p:handoutMasterId r:id="rId5"/>
+    <p:handoutMasterId r:id="rId6"/>
   </p:handoutMasterIdLst>
   <p:sldIdLst>
-    <p:sldId id="256" r:id="rId3"/>
+    <p:sldId id="256" r:id="rId2"/>
+    <p:sldId id="258" r:id="rId3"/>
+    <p:sldId id="257" r:id="rId4"/>
   </p:sldIdLst>
   <p:sldSz cx="12192000" cy="6858000"/>
-  <p:notesSz cx="7103745" cy="10234295"/>
+  <p:notesSz cx="7104063" cy="10234613"/>
   <p:defaultTextStyle>
     <a:defPPr>
       <a:defRPr lang="zh-CN"/>
@@ -110,6 +112,22 @@
       </a:defRPr>
     </a:lvl9pPr>
   </p:defaultTextStyle>
+  <p:extLst>
+    <p:ext uri="{EFAFB233-063F-42B5-8137-9DF3F51BA10A}">
+      <p15:sldGuideLst xmlns:p15="http://schemas.microsoft.com/office/powerpoint/2012/main">
+        <p15:guide id="1" orient="horz" pos="2160">
+          <p15:clr>
+            <a:srgbClr val="A4A3A4"/>
+          </p15:clr>
+        </p15:guide>
+        <p15:guide id="2" pos="3849">
+          <p15:clr>
+            <a:srgbClr val="A4A3A4"/>
+          </p15:clr>
+        </p15:guide>
+      </p15:sldGuideLst>
+    </p:ext>
+  </p:extLst>
 </p:presentation>
 </file>
 
@@ -195,6 +213,7 @@
           <a:p>
             <a:fld id="{0F9B84EA-7D68-4D60-9CB1-D50884785D1C}" type="datetimeFigureOut">
               <a:rPr lang="zh-CN" altLang="en-US" smtClean="0"/>
+              <a:t>2024/1/27</a:t>
             </a:fld>
             <a:endParaRPr lang="zh-CN" altLang="en-US"/>
           </a:p>
@@ -260,12 +279,18 @@
           <a:p>
             <a:fld id="{8D4E0FC9-F1F8-4FAE-9988-3BA365CFD46F}" type="slidenum">
               <a:rPr lang="zh-CN" altLang="en-US" smtClean="0"/>
+              <a:t>‹#›</a:t>
             </a:fld>
             <a:endParaRPr lang="zh-CN" altLang="en-US"/>
           </a:p>
         </p:txBody>
       </p:sp>
     </p:spTree>
+    <p:extLst>
+      <p:ext uri="{BB962C8B-B14F-4D97-AF65-F5344CB8AC3E}">
+        <p14:creationId xmlns:p14="http://schemas.microsoft.com/office/powerpoint/2010/main" val="1"/>
+      </p:ext>
+    </p:extLst>
   </p:cSld>
   <p:clrMap bg1="lt1" tx1="dk1" bg2="lt2" tx2="dk2" accent1="accent1" accent2="accent2" accent3="accent3" accent4="accent4" accent5="accent5" accent6="accent6" hlink="hlink" folHlink="folHlink"/>
 </p:handoutMaster>
@@ -353,6 +378,7 @@
           <a:p>
             <a:fld id="{D6C8D182-E4C8-4120-9249-FC9774456FFA}" type="datetimeFigureOut">
               <a:rPr lang="zh-CN" altLang="en-US" smtClean="0"/>
+              <a:t>2024/1/27</a:t>
             </a:fld>
             <a:endParaRPr lang="zh-CN" altLang="en-US"/>
           </a:p>
@@ -419,7 +445,6 @@
               <a:rPr lang="zh-CN" altLang="en-US"/>
               <a:t>编辑母版文本样式</a:t>
             </a:r>
-            <a:endParaRPr lang="zh-CN" altLang="en-US"/>
           </a:p>
           <a:p>
             <a:pPr lvl="1"/>
@@ -427,7 +452,6 @@
               <a:rPr lang="zh-CN" altLang="en-US"/>
               <a:t>第二级</a:t>
             </a:r>
-            <a:endParaRPr lang="zh-CN" altLang="en-US"/>
           </a:p>
           <a:p>
             <a:pPr lvl="2"/>
@@ -435,7 +459,6 @@
               <a:rPr lang="zh-CN" altLang="en-US"/>
               <a:t>第三级</a:t>
             </a:r>
-            <a:endParaRPr lang="zh-CN" altLang="en-US"/>
           </a:p>
           <a:p>
             <a:pPr lvl="3"/>
@@ -443,7 +466,6 @@
               <a:rPr lang="zh-CN" altLang="en-US"/>
               <a:t>第四级</a:t>
             </a:r>
-            <a:endParaRPr lang="zh-CN" altLang="en-US"/>
           </a:p>
           <a:p>
             <a:pPr lvl="4"/>
@@ -451,7 +473,6 @@
               <a:rPr lang="zh-CN" altLang="en-US"/>
               <a:t>第五级</a:t>
             </a:r>
-            <a:endParaRPr lang="zh-CN" altLang="en-US"/>
           </a:p>
         </p:txBody>
       </p:sp>
@@ -515,6 +536,7 @@
           <a:p>
             <a:fld id="{85D0DACE-38E0-42D2-9336-2B707D34BC6D}" type="slidenum">
               <a:rPr lang="zh-CN" altLang="en-US" smtClean="0"/>
+              <a:t>‹#›</a:t>
             </a:fld>
             <a:endParaRPr lang="zh-CN" altLang="en-US"/>
           </a:p>
@@ -678,9 +700,6 @@
               </a:rPr>
               <a:t>Click to edit Master title style</a:t>
             </a:r>
-            <a:endParaRPr lang="zh-CN" altLang="en-US" dirty="0">
-              <a:sym typeface="+mn-ea"/>
-            </a:endParaRPr>
           </a:p>
         </p:txBody>
       </p:sp>
@@ -701,6 +720,7 @@
           <a:p>
             <a:fld id="{760FBDFE-C587-4B4C-A407-44438C67B59E}" type="datetimeFigureOut">
               <a:rPr lang="zh-CN" altLang="en-US" smtClean="0"/>
+              <a:t>2024/1/27</a:t>
             </a:fld>
             <a:endParaRPr lang="zh-CN" altLang="en-US"/>
           </a:p>
@@ -742,6 +762,7 @@
           <a:p>
             <a:fld id="{49AE70B2-8BF9-45C0-BB95-33D1B9D3A854}" type="slidenum">
               <a:rPr lang="zh-CN" altLang="en-US" smtClean="0"/>
+              <a:t>‹#›</a:t>
             </a:fld>
             <a:endParaRPr lang="zh-CN" altLang="en-US"/>
           </a:p>
@@ -820,7 +841,6 @@
               <a:rPr lang="zh-CN" altLang="en-US" dirty="0"/>
               <a:t>Click to edit Master subtitle style</a:t>
             </a:r>
-            <a:endParaRPr lang="zh-CN" altLang="en-US" dirty="0"/>
           </a:p>
         </p:txBody>
       </p:sp>
@@ -866,6 +886,7 @@
           <a:p>
             <a:fld id="{760FBDFE-C587-4B4C-A407-44438C67B59E}" type="datetimeFigureOut">
               <a:rPr lang="zh-CN" altLang="en-US" smtClean="0"/>
+              <a:t>2024/1/27</a:t>
             </a:fld>
             <a:endParaRPr lang="zh-CN" altLang="en-US"/>
           </a:p>
@@ -907,6 +928,7 @@
           <a:p>
             <a:fld id="{49AE70B2-8BF9-45C0-BB95-33D1B9D3A854}" type="slidenum">
               <a:rPr lang="zh-CN" altLang="en-US" smtClean="0"/>
+              <a:t>‹#›</a:t>
             </a:fld>
             <a:endParaRPr lang="zh-CN" altLang="en-US"/>
           </a:p>
@@ -939,9 +961,6 @@
               </a:rPr>
               <a:t>Click to edit Master text styles</a:t>
             </a:r>
-            <a:endParaRPr lang="zh-CN" altLang="en-US" dirty="0">
-              <a:sym typeface="+mn-ea"/>
-            </a:endParaRPr>
           </a:p>
           <a:p>
             <a:pPr lvl="1"/>
@@ -949,7 +968,6 @@
               <a:rPr lang="zh-CN" altLang="en-US" dirty="0"/>
               <a:t>Second level</a:t>
             </a:r>
-            <a:endParaRPr lang="zh-CN" altLang="en-US" dirty="0"/>
           </a:p>
           <a:p>
             <a:pPr lvl="2"/>
@@ -957,7 +975,6 @@
               <a:rPr lang="zh-CN" altLang="en-US" dirty="0"/>
               <a:t>Third level</a:t>
             </a:r>
-            <a:endParaRPr lang="zh-CN" altLang="en-US" dirty="0"/>
           </a:p>
           <a:p>
             <a:pPr lvl="3"/>
@@ -965,7 +982,6 @@
               <a:rPr lang="zh-CN" altLang="en-US" dirty="0"/>
               <a:t>Fourth level</a:t>
             </a:r>
-            <a:endParaRPr lang="zh-CN" altLang="en-US" dirty="0"/>
           </a:p>
           <a:p>
             <a:pPr lvl="4"/>
@@ -973,7 +989,6 @@
               <a:rPr lang="zh-CN" altLang="en-US" dirty="0"/>
               <a:t>Fifth level</a:t>
             </a:r>
-            <a:endParaRPr lang="zh-CN" altLang="en-US" dirty="0"/>
           </a:p>
         </p:txBody>
       </p:sp>
@@ -1040,7 +1055,6 @@
               <a:rPr lang="zh-CN" altLang="en-US" dirty="0"/>
               <a:t>Click to edit Master title style</a:t>
             </a:r>
-            <a:endParaRPr lang="zh-CN" altLang="en-US" dirty="0"/>
           </a:p>
         </p:txBody>
       </p:sp>
@@ -1124,9 +1138,6 @@
               </a:rPr>
               <a:t>Click to edit Master text styles</a:t>
             </a:r>
-            <a:endParaRPr lang="zh-CN" altLang="en-US" dirty="0">
-              <a:sym typeface="+mn-ea"/>
-            </a:endParaRPr>
           </a:p>
           <a:p>
             <a:pPr lvl="1"/>
@@ -1134,7 +1145,6 @@
               <a:rPr lang="zh-CN" altLang="en-US" dirty="0"/>
               <a:t>Second level</a:t>
             </a:r>
-            <a:endParaRPr lang="zh-CN" altLang="en-US" dirty="0"/>
           </a:p>
           <a:p>
             <a:pPr lvl="2"/>
@@ -1142,7 +1152,6 @@
               <a:rPr lang="zh-CN" altLang="en-US" dirty="0"/>
               <a:t>Third level</a:t>
             </a:r>
-            <a:endParaRPr lang="zh-CN" altLang="en-US" dirty="0"/>
           </a:p>
           <a:p>
             <a:pPr lvl="3"/>
@@ -1150,7 +1159,6 @@
               <a:rPr lang="zh-CN" altLang="en-US" dirty="0"/>
               <a:t>Fourth level</a:t>
             </a:r>
-            <a:endParaRPr lang="zh-CN" altLang="en-US" dirty="0"/>
           </a:p>
           <a:p>
             <a:pPr lvl="4"/>
@@ -1158,7 +1166,6 @@
               <a:rPr lang="zh-CN" altLang="en-US" dirty="0"/>
               <a:t>Fifth level</a:t>
             </a:r>
-            <a:endParaRPr lang="zh-CN" altLang="en-US" dirty="0"/>
           </a:p>
         </p:txBody>
       </p:sp>
@@ -1179,6 +1186,7 @@
           <a:p>
             <a:fld id="{760FBDFE-C587-4B4C-A407-44438C67B59E}" type="datetimeFigureOut">
               <a:rPr lang="zh-CN" altLang="en-US" smtClean="0"/>
+              <a:t>2024/1/27</a:t>
             </a:fld>
             <a:endParaRPr lang="zh-CN" altLang="en-US"/>
           </a:p>
@@ -1220,6 +1228,7 @@
           <a:p>
             <a:fld id="{49AE70B2-8BF9-45C0-BB95-33D1B9D3A854}" type="slidenum">
               <a:rPr lang="zh-CN" altLang="en-US" smtClean="0"/>
+              <a:t>‹#›</a:t>
             </a:fld>
             <a:endParaRPr lang="zh-CN" altLang="en-US"/>
           </a:p>
@@ -1288,7 +1297,6 @@
               <a:rPr lang="zh-CN" altLang="en-US" dirty="0"/>
               <a:t>Click to edit Master title style</a:t>
             </a:r>
-            <a:endParaRPr lang="zh-CN" altLang="en-US" dirty="0"/>
           </a:p>
         </p:txBody>
       </p:sp>
@@ -1410,9 +1418,6 @@
               </a:rPr>
               <a:t>Click to edit Master text styles</a:t>
             </a:r>
-            <a:endParaRPr lang="zh-CN" altLang="en-US" dirty="0">
-              <a:sym typeface="+mn-ea"/>
-            </a:endParaRPr>
           </a:p>
         </p:txBody>
       </p:sp>
@@ -1433,6 +1438,7 @@
           <a:p>
             <a:fld id="{760FBDFE-C587-4B4C-A407-44438C67B59E}" type="datetimeFigureOut">
               <a:rPr lang="zh-CN" altLang="en-US" smtClean="0"/>
+              <a:t>2024/1/27</a:t>
             </a:fld>
             <a:endParaRPr lang="zh-CN" altLang="en-US"/>
           </a:p>
@@ -1474,6 +1480,7 @@
           <a:p>
             <a:fld id="{49AE70B2-8BF9-45C0-BB95-33D1B9D3A854}" type="slidenum">
               <a:rPr lang="zh-CN" altLang="en-US" smtClean="0"/>
+              <a:t>‹#›</a:t>
             </a:fld>
             <a:endParaRPr lang="zh-CN" altLang="en-US"/>
           </a:p>
@@ -1542,7 +1549,6 @@
               <a:rPr lang="zh-CN" altLang="en-US" dirty="0"/>
               <a:t>Click to edit Master title style</a:t>
             </a:r>
-            <a:endParaRPr lang="zh-CN" altLang="en-US" dirty="0"/>
           </a:p>
         </p:txBody>
       </p:sp>
@@ -1641,9 +1647,6 @@
               </a:rPr>
               <a:t>Click to edit Master text styles</a:t>
             </a:r>
-            <a:endParaRPr lang="zh-CN" altLang="en-US" dirty="0">
-              <a:sym typeface="+mn-ea"/>
-            </a:endParaRPr>
           </a:p>
           <a:p>
             <a:pPr lvl="1"/>
@@ -1651,7 +1654,6 @@
               <a:rPr lang="zh-CN" altLang="en-US" dirty="0"/>
               <a:t>Second level</a:t>
             </a:r>
-            <a:endParaRPr lang="zh-CN" altLang="en-US" dirty="0"/>
           </a:p>
           <a:p>
             <a:pPr lvl="2"/>
@@ -1659,7 +1661,6 @@
               <a:rPr lang="zh-CN" altLang="en-US" dirty="0"/>
               <a:t>Third level</a:t>
             </a:r>
-            <a:endParaRPr lang="zh-CN" altLang="en-US" dirty="0"/>
           </a:p>
           <a:p>
             <a:pPr lvl="3"/>
@@ -1667,7 +1668,6 @@
               <a:rPr lang="zh-CN" altLang="en-US" dirty="0"/>
               <a:t>Fourth level</a:t>
             </a:r>
-            <a:endParaRPr lang="zh-CN" altLang="en-US" dirty="0"/>
           </a:p>
           <a:p>
             <a:pPr lvl="4"/>
@@ -1675,7 +1675,6 @@
               <a:rPr lang="zh-CN" altLang="en-US" dirty="0"/>
               <a:t>Fifth level</a:t>
             </a:r>
-            <a:endParaRPr lang="zh-CN" altLang="en-US" dirty="0"/>
           </a:p>
         </p:txBody>
       </p:sp>
@@ -1774,9 +1773,6 @@
               </a:rPr>
               <a:t>Click to edit Master text styles</a:t>
             </a:r>
-            <a:endParaRPr lang="zh-CN" altLang="en-US" dirty="0">
-              <a:sym typeface="+mn-ea"/>
-            </a:endParaRPr>
           </a:p>
           <a:p>
             <a:pPr lvl="1"/>
@@ -1784,7 +1780,6 @@
               <a:rPr lang="zh-CN" altLang="en-US" dirty="0"/>
               <a:t>Second level</a:t>
             </a:r>
-            <a:endParaRPr lang="zh-CN" altLang="en-US" dirty="0"/>
           </a:p>
           <a:p>
             <a:pPr lvl="2"/>
@@ -1792,7 +1787,6 @@
               <a:rPr lang="zh-CN" altLang="en-US" dirty="0"/>
               <a:t>Third level</a:t>
             </a:r>
-            <a:endParaRPr lang="zh-CN" altLang="en-US" dirty="0"/>
           </a:p>
           <a:p>
             <a:pPr lvl="3"/>
@@ -1800,7 +1794,6 @@
               <a:rPr lang="zh-CN" altLang="en-US" dirty="0"/>
               <a:t>Fourth level</a:t>
             </a:r>
-            <a:endParaRPr lang="zh-CN" altLang="en-US" dirty="0"/>
           </a:p>
           <a:p>
             <a:pPr lvl="4"/>
@@ -1808,7 +1801,6 @@
               <a:rPr lang="zh-CN" altLang="en-US" dirty="0"/>
               <a:t>Fifth level</a:t>
             </a:r>
-            <a:endParaRPr lang="zh-CN" altLang="en-US" dirty="0"/>
           </a:p>
         </p:txBody>
       </p:sp>
@@ -1829,6 +1821,7 @@
           <a:p>
             <a:fld id="{760FBDFE-C587-4B4C-A407-44438C67B59E}" type="datetimeFigureOut">
               <a:rPr lang="zh-CN" altLang="en-US" smtClean="0"/>
+              <a:t>2024/1/27</a:t>
             </a:fld>
             <a:endParaRPr lang="zh-CN" altLang="en-US"/>
           </a:p>
@@ -1870,6 +1863,7 @@
           <a:p>
             <a:fld id="{49AE70B2-8BF9-45C0-BB95-33D1B9D3A854}" type="slidenum">
               <a:rPr lang="zh-CN" altLang="en-US" smtClean="0"/>
+              <a:t>‹#›</a:t>
             </a:fld>
             <a:endParaRPr lang="zh-CN" altLang="en-US"/>
           </a:p>
@@ -1924,7 +1918,6 @@
               <a:rPr lang="zh-CN" altLang="en-US"/>
               <a:t>Click to edit Master title style</a:t>
             </a:r>
-            <a:endParaRPr lang="zh-CN" altLang="en-US"/>
           </a:p>
         </p:txBody>
       </p:sp>
@@ -1992,9 +1985,6 @@
               </a:rPr>
               <a:t>Click to edit Master text styles</a:t>
             </a:r>
-            <a:endParaRPr lang="zh-CN" altLang="en-US" dirty="0">
-              <a:sym typeface="+mn-ea"/>
-            </a:endParaRPr>
           </a:p>
         </p:txBody>
       </p:sp>
@@ -2025,9 +2015,6 @@
               </a:rPr>
               <a:t>Click to edit Master text styles</a:t>
             </a:r>
-            <a:endParaRPr lang="zh-CN" altLang="en-US" dirty="0">
-              <a:sym typeface="+mn-ea"/>
-            </a:endParaRPr>
           </a:p>
           <a:p>
             <a:pPr lvl="1"/>
@@ -2035,7 +2022,6 @@
               <a:rPr lang="zh-CN" altLang="en-US" dirty="0"/>
               <a:t>Second level</a:t>
             </a:r>
-            <a:endParaRPr lang="zh-CN" altLang="en-US" dirty="0"/>
           </a:p>
           <a:p>
             <a:pPr lvl="2"/>
@@ -2043,7 +2029,6 @@
               <a:rPr lang="zh-CN" altLang="en-US" dirty="0"/>
               <a:t>Third level</a:t>
             </a:r>
-            <a:endParaRPr lang="zh-CN" altLang="en-US" dirty="0"/>
           </a:p>
           <a:p>
             <a:pPr lvl="3"/>
@@ -2051,7 +2036,6 @@
               <a:rPr lang="zh-CN" altLang="en-US" dirty="0"/>
               <a:t>Fourth level</a:t>
             </a:r>
-            <a:endParaRPr lang="zh-CN" altLang="en-US" dirty="0"/>
           </a:p>
           <a:p>
             <a:pPr lvl="4"/>
@@ -2059,7 +2043,6 @@
               <a:rPr lang="zh-CN" altLang="en-US" dirty="0"/>
               <a:t>Fifth level</a:t>
             </a:r>
-            <a:endParaRPr lang="zh-CN" altLang="en-US" dirty="0"/>
           </a:p>
         </p:txBody>
       </p:sp>
@@ -2127,9 +2110,6 @@
               </a:rPr>
               <a:t>Click to edit Master text styles</a:t>
             </a:r>
-            <a:endParaRPr lang="zh-CN" altLang="en-US" dirty="0">
-              <a:sym typeface="+mn-ea"/>
-            </a:endParaRPr>
           </a:p>
         </p:txBody>
       </p:sp>
@@ -2160,9 +2140,6 @@
               </a:rPr>
               <a:t>Click to edit Master text styles</a:t>
             </a:r>
-            <a:endParaRPr lang="zh-CN" altLang="en-US" dirty="0">
-              <a:sym typeface="+mn-ea"/>
-            </a:endParaRPr>
           </a:p>
           <a:p>
             <a:pPr lvl="1"/>
@@ -2170,7 +2147,6 @@
               <a:rPr lang="zh-CN" altLang="en-US" dirty="0"/>
               <a:t>Second level</a:t>
             </a:r>
-            <a:endParaRPr lang="zh-CN" altLang="en-US" dirty="0"/>
           </a:p>
           <a:p>
             <a:pPr lvl="2"/>
@@ -2178,7 +2154,6 @@
               <a:rPr lang="zh-CN" altLang="en-US" dirty="0"/>
               <a:t>Third level</a:t>
             </a:r>
-            <a:endParaRPr lang="zh-CN" altLang="en-US" dirty="0"/>
           </a:p>
           <a:p>
             <a:pPr lvl="3"/>
@@ -2186,7 +2161,6 @@
               <a:rPr lang="zh-CN" altLang="en-US" dirty="0"/>
               <a:t>Fourth level</a:t>
             </a:r>
-            <a:endParaRPr lang="zh-CN" altLang="en-US" dirty="0"/>
           </a:p>
           <a:p>
             <a:pPr lvl="4"/>
@@ -2194,7 +2168,6 @@
               <a:rPr lang="zh-CN" altLang="en-US" dirty="0"/>
               <a:t>Fifth level</a:t>
             </a:r>
-            <a:endParaRPr lang="zh-CN" altLang="en-US" dirty="0"/>
           </a:p>
         </p:txBody>
       </p:sp>
@@ -2215,6 +2188,7 @@
           <a:p>
             <a:fld id="{760FBDFE-C587-4B4C-A407-44438C67B59E}" type="datetimeFigureOut">
               <a:rPr lang="zh-CN" altLang="en-US" smtClean="0"/>
+              <a:t>2024/1/27</a:t>
             </a:fld>
             <a:endParaRPr lang="zh-CN" altLang="en-US"/>
           </a:p>
@@ -2256,6 +2230,7 @@
           <a:p>
             <a:fld id="{49AE70B2-8BF9-45C0-BB95-33D1B9D3A854}" type="slidenum">
               <a:rPr lang="zh-CN" altLang="en-US" smtClean="0"/>
+              <a:t>‹#›</a:t>
             </a:fld>
             <a:endParaRPr lang="zh-CN" altLang="en-US"/>
           </a:p>
@@ -2324,7 +2299,6 @@
               <a:rPr lang="zh-CN" altLang="en-US" dirty="0"/>
               <a:t>Click to edit Master title style</a:t>
             </a:r>
-            <a:endParaRPr lang="zh-CN" altLang="en-US" dirty="0"/>
           </a:p>
         </p:txBody>
       </p:sp>
@@ -2345,6 +2319,7 @@
           <a:p>
             <a:fld id="{760FBDFE-C587-4B4C-A407-44438C67B59E}" type="datetimeFigureOut">
               <a:rPr lang="zh-CN" altLang="en-US" smtClean="0"/>
+              <a:t>2024/1/27</a:t>
             </a:fld>
             <a:endParaRPr lang="zh-CN" altLang="en-US"/>
           </a:p>
@@ -2386,6 +2361,7 @@
           <a:p>
             <a:fld id="{49AE70B2-8BF9-45C0-BB95-33D1B9D3A854}" type="slidenum">
               <a:rPr lang="zh-CN" altLang="en-US" smtClean="0"/>
+              <a:t>‹#›</a:t>
             </a:fld>
             <a:endParaRPr lang="zh-CN" altLang="en-US"/>
           </a:p>
@@ -2433,6 +2409,7 @@
           <a:p>
             <a:fld id="{760FBDFE-C587-4B4C-A407-44438C67B59E}" type="datetimeFigureOut">
               <a:rPr lang="zh-CN" altLang="en-US" smtClean="0"/>
+              <a:t>2024/1/27</a:t>
             </a:fld>
             <a:endParaRPr lang="zh-CN" altLang="en-US"/>
           </a:p>
@@ -2474,6 +2451,7 @@
           <a:p>
             <a:fld id="{49AE70B2-8BF9-45C0-BB95-33D1B9D3A854}" type="slidenum">
               <a:rPr lang="zh-CN" altLang="en-US" smtClean="0"/>
+              <a:t>‹#›</a:t>
             </a:fld>
             <a:endParaRPr lang="zh-CN" altLang="en-US"/>
           </a:p>
@@ -2544,9 +2522,6 @@
               </a:rPr>
               <a:t>Click to edit Master title style</a:t>
             </a:r>
-            <a:endParaRPr lang="zh-CN" altLang="en-US" dirty="0">
-              <a:sym typeface="+mn-ea"/>
-            </a:endParaRPr>
           </a:p>
         </p:txBody>
       </p:sp>
@@ -2678,7 +2653,6 @@
               <a:rPr lang="zh-CN" altLang="en-US" dirty="0"/>
               <a:t>Click to edit Master text styles</a:t>
             </a:r>
-            <a:endParaRPr lang="zh-CN" altLang="en-US" dirty="0"/>
           </a:p>
         </p:txBody>
       </p:sp>
@@ -2699,6 +2673,7 @@
           <a:p>
             <a:fld id="{9EFD9D74-47D9-4702-A33C-335B63B48DBF}" type="datetimeFigureOut">
               <a:rPr lang="zh-CN" altLang="en-US" smtClean="0"/>
+              <a:t>2024/1/27</a:t>
             </a:fld>
             <a:endParaRPr lang="zh-CN" altLang="en-US" dirty="0"/>
           </a:p>
@@ -2740,6 +2715,7 @@
           <a:p>
             <a:fld id="{FABC47A4-756D-490B-A52F-7D9E2C9FC05F}" type="slidenum">
               <a:rPr lang="zh-CN" altLang="en-US" smtClean="0"/>
+              <a:t>‹#›</a:t>
             </a:fld>
             <a:endParaRPr lang="zh-CN" altLang="en-US"/>
           </a:p>
@@ -2830,7 +2806,6 @@
               <a:rPr lang="zh-CN" altLang="en-US"/>
               <a:t>Click to edit Master title style</a:t>
             </a:r>
-            <a:endParaRPr lang="zh-CN" altLang="en-US"/>
           </a:p>
         </p:txBody>
       </p:sp>
@@ -2861,9 +2836,6 @@
               </a:rPr>
               <a:t>Click to edit Master text styles</a:t>
             </a:r>
-            <a:endParaRPr lang="zh-CN" altLang="en-US" dirty="0">
-              <a:sym typeface="+mn-ea"/>
-            </a:endParaRPr>
           </a:p>
           <a:p>
             <a:pPr lvl="1"/>
@@ -2871,7 +2843,6 @@
               <a:rPr lang="zh-CN" altLang="en-US" dirty="0"/>
               <a:t>Second level</a:t>
             </a:r>
-            <a:endParaRPr lang="zh-CN" altLang="en-US" dirty="0"/>
           </a:p>
           <a:p>
             <a:pPr lvl="2"/>
@@ -2879,7 +2850,6 @@
               <a:rPr lang="zh-CN" altLang="en-US" dirty="0"/>
               <a:t>Third level</a:t>
             </a:r>
-            <a:endParaRPr lang="zh-CN" altLang="en-US" dirty="0"/>
           </a:p>
           <a:p>
             <a:pPr lvl="3"/>
@@ -2887,7 +2857,6 @@
               <a:rPr lang="zh-CN" altLang="en-US" dirty="0"/>
               <a:t>Fourth level</a:t>
             </a:r>
-            <a:endParaRPr lang="zh-CN" altLang="en-US" dirty="0"/>
           </a:p>
           <a:p>
             <a:pPr lvl="4"/>
@@ -2895,7 +2864,6 @@
               <a:rPr lang="zh-CN" altLang="en-US" dirty="0"/>
               <a:t>Fifth level</a:t>
             </a:r>
-            <a:endParaRPr lang="zh-CN" altLang="en-US" dirty="0"/>
           </a:p>
         </p:txBody>
       </p:sp>
@@ -2916,6 +2884,7 @@
           <a:p>
             <a:fld id="{760FBDFE-C587-4B4C-A407-44438C67B59E}" type="datetimeFigureOut">
               <a:rPr lang="zh-CN" altLang="en-US" smtClean="0"/>
+              <a:t>2024/1/27</a:t>
             </a:fld>
             <a:endParaRPr lang="zh-CN" altLang="en-US"/>
           </a:p>
@@ -2957,6 +2926,7 @@
           <a:p>
             <a:fld id="{49AE70B2-8BF9-45C0-BB95-33D1B9D3A854}" type="slidenum">
               <a:rPr lang="zh-CN" altLang="en-US" smtClean="0"/>
+              <a:t>‹#›</a:t>
             </a:fld>
             <a:endParaRPr lang="zh-CN" altLang="en-US"/>
           </a:p>
@@ -3024,7 +2994,6 @@
               <a:rPr lang="zh-CN" altLang="en-US" dirty="0"/>
               <a:t>Click to edit Master title style</a:t>
             </a:r>
-            <a:endParaRPr lang="zh-CN" altLang="en-US" dirty="0"/>
           </a:p>
         </p:txBody>
       </p:sp>
@@ -3060,9 +3029,6 @@
               </a:rPr>
               <a:t>Click to edit Master text styles</a:t>
             </a:r>
-            <a:endParaRPr lang="zh-CN" altLang="en-US" dirty="0">
-              <a:sym typeface="+mn-ea"/>
-            </a:endParaRPr>
           </a:p>
           <a:p>
             <a:pPr lvl="1"/>
@@ -3070,7 +3036,6 @@
               <a:rPr lang="zh-CN" altLang="en-US" dirty="0"/>
               <a:t>Second level</a:t>
             </a:r>
-            <a:endParaRPr lang="zh-CN" altLang="en-US" dirty="0"/>
           </a:p>
           <a:p>
             <a:pPr lvl="2"/>
@@ -3078,7 +3043,6 @@
               <a:rPr lang="zh-CN" altLang="en-US" dirty="0"/>
               <a:t>Third level</a:t>
             </a:r>
-            <a:endParaRPr lang="zh-CN" altLang="en-US" dirty="0"/>
           </a:p>
           <a:p>
             <a:pPr lvl="3"/>
@@ -3086,7 +3050,6 @@
               <a:rPr lang="zh-CN" altLang="en-US" dirty="0"/>
               <a:t>Fourth level</a:t>
             </a:r>
-            <a:endParaRPr lang="zh-CN" altLang="en-US" dirty="0"/>
           </a:p>
           <a:p>
             <a:pPr lvl="4"/>
@@ -3094,7 +3057,6 @@
               <a:rPr lang="zh-CN" altLang="en-US" dirty="0"/>
               <a:t>Fifth level</a:t>
             </a:r>
-            <a:endParaRPr lang="zh-CN" altLang="en-US" dirty="0"/>
           </a:p>
         </p:txBody>
       </p:sp>
@@ -3135,6 +3097,7 @@
           <a:p>
             <a:fld id="{760FBDFE-C587-4B4C-A407-44438C67B59E}" type="datetimeFigureOut">
               <a:rPr lang="zh-CN" altLang="en-US" smtClean="0"/>
+              <a:t>2024/1/27</a:t>
             </a:fld>
             <a:endParaRPr lang="zh-CN" altLang="en-US"/>
           </a:p>
@@ -3216,6 +3179,7 @@
           <a:p>
             <a:fld id="{49AE70B2-8BF9-45C0-BB95-33D1B9D3A854}" type="slidenum">
               <a:rPr lang="zh-CN" altLang="en-US" smtClean="0"/>
+              <a:t>‹#›</a:t>
             </a:fld>
             <a:endParaRPr lang="zh-CN" altLang="en-US"/>
           </a:p>
@@ -3544,18 +3508,712 @@
           <a:chExt cx="0" cy="0"/>
         </a:xfrm>
       </p:grpSpPr>
+      <p:sp>
+        <p:nvSpPr>
+          <p:cNvPr id="3" name="Rectangles 2"/>
+          <p:cNvSpPr/>
+          <p:nvPr/>
+        </p:nvSpPr>
+        <p:spPr>
+          <a:xfrm>
+            <a:off x="2504014" y="2664281"/>
+            <a:ext cx="5468164" cy="1200329"/>
+          </a:xfrm>
+          <a:prstGeom prst="rect">
+            <a:avLst/>
+          </a:prstGeom>
+          <a:noFill/>
+          <a:ln>
+            <a:noFill/>
+          </a:ln>
+        </p:spPr>
+        <p:txBody>
+          <a:bodyPr wrap="none" rtlCol="0" anchor="t">
+            <a:spAutoFit/>
+            <a:scene3d>
+              <a:camera prst="orthographicFront"/>
+              <a:lightRig rig="soft" dir="t">
+                <a:rot lat="0" lon="0" rev="15600000"/>
+              </a:lightRig>
+            </a:scene3d>
+            <a:sp3d extrusionH="57150" prstMaterial="softEdge">
+              <a:bevelT w="25400" h="38100"/>
+            </a:sp3d>
+          </a:bodyPr>
+          <a:lstStyle/>
+          <a:p>
+            <a:pPr algn="ctr"/>
+            <a:r>
+              <a:rPr lang="en-US" altLang="zh-CN" sz="7200" i="1" dirty="0">
+                <a:ln w="0"/>
+                <a:solidFill>
+                  <a:schemeClr val="accent1"/>
+                </a:solidFill>
+                <a:effectLst>
+                  <a:outerShdw blurRad="38100" dist="25400" dir="5400000" algn="ctr" rotWithShape="0">
+                    <a:srgbClr val="6E747A">
+                      <a:alpha val="43000"/>
+                    </a:srgbClr>
+                  </a:outerShdw>
+                </a:effectLst>
+                <a:latin typeface="+mj-lt"/>
+                <a:ea typeface="STXinwei" panose="02010800040101010101" pitchFamily="2" charset="-122"/>
+                <a:cs typeface="Yuppy SC" panose="020F0603040207020204" pitchFamily="34" charset="-122"/>
+              </a:rPr>
+              <a:t>GAZE2024</a:t>
+            </a:r>
+          </a:p>
+        </p:txBody>
+      </p:sp>
+      <p:pic>
+        <p:nvPicPr>
+          <p:cNvPr id="10" name="Picture 9" descr="Nika_Akin"/>
+          <p:cNvPicPr>
+            <a:picLocks noChangeAspect="1"/>
+          </p:cNvPicPr>
+          <p:nvPr/>
+        </p:nvPicPr>
+        <p:blipFill>
+          <a:blip r:embed="rId2"/>
+          <a:srcRect l="25543" t="13444" r="17459" b="17627"/>
+          <a:stretch>
+            <a:fillRect/>
+          </a:stretch>
+        </p:blipFill>
+        <p:spPr>
+          <a:xfrm>
+            <a:off x="8160385" y="2500630"/>
+            <a:ext cx="1727835" cy="1393190"/>
+          </a:xfrm>
+          <a:prstGeom prst="rect">
+            <a:avLst/>
+          </a:prstGeom>
+        </p:spPr>
+      </p:pic>
+      <p:sp>
+        <p:nvSpPr>
+          <p:cNvPr id="2" name="Text Box 7">
+            <a:extLst>
+              <a:ext uri="{FF2B5EF4-FFF2-40B4-BE49-F238E27FC236}">
+                <a16:creationId xmlns:a16="http://schemas.microsoft.com/office/drawing/2014/main" id="{A5A0F78D-205B-967F-7AEA-45445DFD292D}"/>
+              </a:ext>
+            </a:extLst>
+          </p:cNvPr>
+          <p:cNvSpPr txBox="1"/>
+          <p:nvPr/>
+        </p:nvSpPr>
+        <p:spPr>
+          <a:xfrm>
+            <a:off x="2645544" y="3759168"/>
+            <a:ext cx="6519004" cy="269304"/>
+          </a:xfrm>
+          <a:prstGeom prst="rect">
+            <a:avLst/>
+          </a:prstGeom>
+          <a:noFill/>
+        </p:spPr>
+        <p:txBody>
+          <a:bodyPr wrap="square" rtlCol="0">
+            <a:spAutoFit/>
+          </a:bodyPr>
+          <a:lstStyle/>
+          <a:p>
+            <a:r>
+              <a:rPr lang="en-US" sz="1150" dirty="0">
+                <a:solidFill>
+                  <a:schemeClr val="accent2">
+                    <a:lumMod val="50000"/>
+                  </a:schemeClr>
+                </a:solidFill>
+              </a:rPr>
+              <a:t>6TH I</a:t>
+            </a:r>
+            <a:r>
+              <a:rPr lang="en-US" altLang="zh-CN" sz="1150" dirty="0">
+                <a:solidFill>
+                  <a:schemeClr val="accent2">
+                    <a:lumMod val="50000"/>
+                  </a:schemeClr>
+                </a:solidFill>
+              </a:rPr>
+              <a:t>NTERNATIONAL</a:t>
+            </a:r>
+            <a:r>
+              <a:rPr lang="zh-CN" altLang="en-US" sz="1150" dirty="0">
+                <a:solidFill>
+                  <a:schemeClr val="accent2">
+                    <a:lumMod val="50000"/>
+                  </a:schemeClr>
+                </a:solidFill>
+              </a:rPr>
+              <a:t> </a:t>
+            </a:r>
+            <a:r>
+              <a:rPr lang="en-US" altLang="zh-CN" sz="1150" dirty="0">
+                <a:solidFill>
+                  <a:schemeClr val="accent2">
+                    <a:lumMod val="50000"/>
+                  </a:schemeClr>
+                </a:solidFill>
+              </a:rPr>
+              <a:t>WORKSHOP</a:t>
+            </a:r>
+            <a:r>
+              <a:rPr lang="zh-CN" altLang="en-US" sz="1150" dirty="0">
+                <a:solidFill>
+                  <a:schemeClr val="accent2">
+                    <a:lumMod val="50000"/>
+                  </a:schemeClr>
+                </a:solidFill>
+              </a:rPr>
+              <a:t> </a:t>
+            </a:r>
+            <a:r>
+              <a:rPr lang="en-US" altLang="zh-CN" sz="1150" dirty="0">
+                <a:solidFill>
+                  <a:schemeClr val="accent2">
+                    <a:lumMod val="50000"/>
+                  </a:schemeClr>
+                </a:solidFill>
+              </a:rPr>
+              <a:t>ON</a:t>
+            </a:r>
+            <a:r>
+              <a:rPr lang="zh-CN" altLang="en-US" sz="1150" dirty="0">
+                <a:solidFill>
+                  <a:schemeClr val="accent2">
+                    <a:lumMod val="50000"/>
+                  </a:schemeClr>
+                </a:solidFill>
+              </a:rPr>
+              <a:t> </a:t>
+            </a:r>
+            <a:r>
+              <a:rPr lang="en-US" altLang="zh-CN" sz="1150" dirty="0">
+                <a:solidFill>
+                  <a:schemeClr val="accent2">
+                    <a:lumMod val="50000"/>
+                  </a:schemeClr>
+                </a:solidFill>
+              </a:rPr>
+              <a:t>GAZE</a:t>
+            </a:r>
+            <a:r>
+              <a:rPr lang="zh-CN" altLang="en-US" sz="1150" dirty="0">
+                <a:solidFill>
+                  <a:schemeClr val="accent2">
+                    <a:lumMod val="50000"/>
+                  </a:schemeClr>
+                </a:solidFill>
+              </a:rPr>
+              <a:t> </a:t>
+            </a:r>
+            <a:r>
+              <a:rPr lang="en-US" altLang="zh-CN" sz="1150" dirty="0">
+                <a:solidFill>
+                  <a:schemeClr val="accent2">
+                    <a:lumMod val="50000"/>
+                  </a:schemeClr>
+                </a:solidFill>
+              </a:rPr>
+              <a:t>ESTIMATION</a:t>
+            </a:r>
+            <a:r>
+              <a:rPr lang="zh-CN" altLang="en-US" sz="1150" dirty="0">
+                <a:solidFill>
+                  <a:schemeClr val="accent2">
+                    <a:lumMod val="50000"/>
+                  </a:schemeClr>
+                </a:solidFill>
+              </a:rPr>
+              <a:t> </a:t>
+            </a:r>
+            <a:r>
+              <a:rPr lang="en-US" altLang="zh-CN" sz="1150" dirty="0">
+                <a:solidFill>
+                  <a:schemeClr val="accent2">
+                    <a:lumMod val="50000"/>
+                  </a:schemeClr>
+                </a:solidFill>
+              </a:rPr>
+              <a:t>AND</a:t>
+            </a:r>
+            <a:r>
+              <a:rPr lang="zh-CN" altLang="en-US" sz="1150" dirty="0">
+                <a:solidFill>
+                  <a:schemeClr val="accent2">
+                    <a:lumMod val="50000"/>
+                  </a:schemeClr>
+                </a:solidFill>
+              </a:rPr>
+              <a:t> </a:t>
+            </a:r>
+            <a:r>
+              <a:rPr lang="en-US" altLang="zh-CN" sz="1150" dirty="0">
+                <a:solidFill>
+                  <a:schemeClr val="accent2">
+                    <a:lumMod val="50000"/>
+                  </a:schemeClr>
+                </a:solidFill>
+              </a:rPr>
+              <a:t>PREDICTION</a:t>
+            </a:r>
+            <a:r>
+              <a:rPr lang="zh-CN" altLang="en-US" sz="1150" dirty="0">
+                <a:solidFill>
+                  <a:schemeClr val="accent2">
+                    <a:lumMod val="50000"/>
+                  </a:schemeClr>
+                </a:solidFill>
+              </a:rPr>
+              <a:t> </a:t>
+            </a:r>
+            <a:r>
+              <a:rPr lang="en-US" altLang="zh-CN" sz="1150" dirty="0">
+                <a:solidFill>
+                  <a:schemeClr val="accent2">
+                    <a:lumMod val="50000"/>
+                  </a:schemeClr>
+                </a:solidFill>
+              </a:rPr>
+              <a:t>IN</a:t>
+            </a:r>
+            <a:r>
+              <a:rPr lang="zh-CN" altLang="en-US" sz="1150" dirty="0">
+                <a:solidFill>
+                  <a:schemeClr val="accent2">
+                    <a:lumMod val="50000"/>
+                  </a:schemeClr>
+                </a:solidFill>
+              </a:rPr>
+              <a:t> </a:t>
+            </a:r>
+            <a:r>
+              <a:rPr lang="en-US" altLang="zh-CN" sz="1150" dirty="0">
+                <a:solidFill>
+                  <a:schemeClr val="accent2">
+                    <a:lumMod val="50000"/>
+                  </a:schemeClr>
+                </a:solidFill>
+              </a:rPr>
+              <a:t>THE</a:t>
+            </a:r>
+            <a:r>
+              <a:rPr lang="zh-CN" altLang="en-US" sz="1150" dirty="0">
+                <a:solidFill>
+                  <a:schemeClr val="accent2">
+                    <a:lumMod val="50000"/>
+                  </a:schemeClr>
+                </a:solidFill>
+              </a:rPr>
+              <a:t> </a:t>
+            </a:r>
+            <a:r>
+              <a:rPr lang="en-US" altLang="zh-CN" sz="1150" dirty="0">
+                <a:solidFill>
+                  <a:schemeClr val="accent2">
+                    <a:lumMod val="50000"/>
+                  </a:schemeClr>
+                </a:solidFill>
+              </a:rPr>
+              <a:t>WILD</a:t>
+            </a:r>
+            <a:r>
+              <a:rPr lang="en-US" sz="1150" dirty="0">
+                <a:solidFill>
+                  <a:schemeClr val="accent2">
+                    <a:lumMod val="50000"/>
+                  </a:schemeClr>
+                </a:solidFill>
+              </a:rPr>
+              <a:t> </a:t>
+            </a:r>
+          </a:p>
+        </p:txBody>
+      </p:sp>
+    </p:spTree>
+  </p:cSld>
+  <p:clrMapOvr>
+    <a:masterClrMapping/>
+  </p:clrMapOvr>
+</p:sld>
+</file>
+
+<file path=ppt/slides/slide2.xml><?xml version="1.0" encoding="utf-8"?>
+<p:sld xmlns:a="http://schemas.openxmlformats.org/drawingml/2006/main" xmlns:r="http://schemas.openxmlformats.org/officeDocument/2006/relationships" xmlns:p="http://schemas.openxmlformats.org/presentationml/2006/main">
+  <p:cSld>
+    <p:spTree>
+      <p:nvGrpSpPr>
+        <p:cNvPr id="1" name="">
+          <a:extLst>
+            <a:ext uri="{FF2B5EF4-FFF2-40B4-BE49-F238E27FC236}">
+              <a16:creationId xmlns:a16="http://schemas.microsoft.com/office/drawing/2014/main" id="{EBD7EBEE-456B-C1DB-8B0D-E6031D34E890}"/>
+            </a:ext>
+          </a:extLst>
+        </p:cNvPr>
+        <p:cNvGrpSpPr/>
+        <p:nvPr/>
+      </p:nvGrpSpPr>
+      <p:grpSpPr>
+        <a:xfrm>
+          <a:off x="0" y="0"/>
+          <a:ext cx="0" cy="0"/>
+          <a:chOff x="0" y="0"/>
+          <a:chExt cx="0" cy="0"/>
+        </a:xfrm>
+      </p:grpSpPr>
+      <p:sp>
+        <p:nvSpPr>
+          <p:cNvPr id="3" name="Rectangles 2">
+            <a:extLst>
+              <a:ext uri="{FF2B5EF4-FFF2-40B4-BE49-F238E27FC236}">
+                <a16:creationId xmlns:a16="http://schemas.microsoft.com/office/drawing/2014/main" id="{C1B5C5B4-9582-20BB-4AC1-3B4035F978C0}"/>
+              </a:ext>
+            </a:extLst>
+          </p:cNvPr>
+          <p:cNvSpPr/>
+          <p:nvPr/>
+        </p:nvSpPr>
+        <p:spPr>
+          <a:xfrm>
+            <a:off x="2645544" y="2437112"/>
+            <a:ext cx="6056466" cy="1323439"/>
+          </a:xfrm>
+          <a:prstGeom prst="rect">
+            <a:avLst/>
+          </a:prstGeom>
+          <a:noFill/>
+          <a:ln>
+            <a:noFill/>
+          </a:ln>
+        </p:spPr>
+        <p:txBody>
+          <a:bodyPr wrap="none" rtlCol="0" anchor="t">
+            <a:spAutoFit/>
+            <a:scene3d>
+              <a:camera prst="orthographicFront"/>
+              <a:lightRig rig="soft" dir="t">
+                <a:rot lat="0" lon="0" rev="15600000"/>
+              </a:lightRig>
+            </a:scene3d>
+            <a:sp3d extrusionH="57150" prstMaterial="softEdge">
+              <a:bevelT w="25400" h="38100"/>
+            </a:sp3d>
+          </a:bodyPr>
+          <a:lstStyle/>
+          <a:p>
+            <a:pPr algn="ctr"/>
+            <a:r>
+              <a:rPr lang="en-US" altLang="zh-CN" sz="8000" i="1" dirty="0">
+                <a:ln w="0"/>
+                <a:solidFill>
+                  <a:srgbClr val="ED720F"/>
+                </a:solidFill>
+                <a:effectLst>
+                  <a:outerShdw blurRad="38100" dist="25400" dir="5400000" algn="ctr" rotWithShape="0">
+                    <a:srgbClr val="6E747A">
+                      <a:alpha val="43000"/>
+                    </a:srgbClr>
+                  </a:outerShdw>
+                </a:effectLst>
+                <a:latin typeface="+mj-lt"/>
+                <a:ea typeface="STXinwei" panose="02010800040101010101" pitchFamily="2" charset="-122"/>
+                <a:cs typeface="Yuppy SC" panose="020F0603040207020204" pitchFamily="34" charset="-122"/>
+              </a:rPr>
+              <a:t>GAZE2024</a:t>
+            </a:r>
+          </a:p>
+        </p:txBody>
+      </p:sp>
+      <p:sp>
+        <p:nvSpPr>
+          <p:cNvPr id="2" name="Text Box 7">
+            <a:extLst>
+              <a:ext uri="{FF2B5EF4-FFF2-40B4-BE49-F238E27FC236}">
+                <a16:creationId xmlns:a16="http://schemas.microsoft.com/office/drawing/2014/main" id="{394C05BD-8F00-6C24-A835-0D2A9F981490}"/>
+              </a:ext>
+            </a:extLst>
+          </p:cNvPr>
+          <p:cNvSpPr txBox="1"/>
+          <p:nvPr/>
+        </p:nvSpPr>
+        <p:spPr>
+          <a:xfrm>
+            <a:off x="2645544" y="3512005"/>
+            <a:ext cx="6519004" cy="269304"/>
+          </a:xfrm>
+          <a:prstGeom prst="rect">
+            <a:avLst/>
+          </a:prstGeom>
+          <a:noFill/>
+        </p:spPr>
+        <p:txBody>
+          <a:bodyPr wrap="square" rtlCol="0">
+            <a:spAutoFit/>
+          </a:bodyPr>
+          <a:lstStyle/>
+          <a:p>
+            <a:r>
+              <a:rPr lang="en-US" sz="1150" dirty="0">
+                <a:solidFill>
+                  <a:srgbClr val="ED720F"/>
+                </a:solidFill>
+              </a:rPr>
+              <a:t>6TH I</a:t>
+            </a:r>
+            <a:r>
+              <a:rPr lang="en-US" altLang="zh-CN" sz="1150" dirty="0">
+                <a:solidFill>
+                  <a:srgbClr val="ED720F"/>
+                </a:solidFill>
+              </a:rPr>
+              <a:t>NTERNATIONAL</a:t>
+            </a:r>
+            <a:r>
+              <a:rPr lang="zh-CN" altLang="en-US" sz="1150" dirty="0">
+                <a:solidFill>
+                  <a:srgbClr val="ED720F"/>
+                </a:solidFill>
+              </a:rPr>
+              <a:t> </a:t>
+            </a:r>
+            <a:r>
+              <a:rPr lang="en-US" altLang="zh-CN" sz="1150" dirty="0">
+                <a:solidFill>
+                  <a:srgbClr val="ED720F"/>
+                </a:solidFill>
+              </a:rPr>
+              <a:t>WORKSHOP</a:t>
+            </a:r>
+            <a:r>
+              <a:rPr lang="zh-CN" altLang="en-US" sz="1150" dirty="0">
+                <a:solidFill>
+                  <a:srgbClr val="ED720F"/>
+                </a:solidFill>
+              </a:rPr>
+              <a:t> </a:t>
+            </a:r>
+            <a:r>
+              <a:rPr lang="en-US" altLang="zh-CN" sz="1150" dirty="0">
+                <a:solidFill>
+                  <a:srgbClr val="ED720F"/>
+                </a:solidFill>
+              </a:rPr>
+              <a:t>ON</a:t>
+            </a:r>
+            <a:r>
+              <a:rPr lang="zh-CN" altLang="en-US" sz="1150" dirty="0">
+                <a:solidFill>
+                  <a:srgbClr val="ED720F"/>
+                </a:solidFill>
+              </a:rPr>
+              <a:t> </a:t>
+            </a:r>
+            <a:r>
+              <a:rPr lang="en-US" altLang="zh-CN" sz="1150" dirty="0">
+                <a:solidFill>
+                  <a:srgbClr val="ED720F"/>
+                </a:solidFill>
+              </a:rPr>
+              <a:t>GAZE</a:t>
+            </a:r>
+            <a:r>
+              <a:rPr lang="zh-CN" altLang="en-US" sz="1150" dirty="0">
+                <a:solidFill>
+                  <a:srgbClr val="ED720F"/>
+                </a:solidFill>
+              </a:rPr>
+              <a:t> </a:t>
+            </a:r>
+            <a:r>
+              <a:rPr lang="en-US" altLang="zh-CN" sz="1150" dirty="0">
+                <a:solidFill>
+                  <a:srgbClr val="ED720F"/>
+                </a:solidFill>
+              </a:rPr>
+              <a:t>ESTIMATION</a:t>
+            </a:r>
+            <a:r>
+              <a:rPr lang="zh-CN" altLang="en-US" sz="1150" dirty="0">
+                <a:solidFill>
+                  <a:srgbClr val="ED720F"/>
+                </a:solidFill>
+              </a:rPr>
+              <a:t> </a:t>
+            </a:r>
+            <a:r>
+              <a:rPr lang="en-US" altLang="zh-CN" sz="1150" dirty="0">
+                <a:solidFill>
+                  <a:srgbClr val="ED720F"/>
+                </a:solidFill>
+              </a:rPr>
+              <a:t>AND</a:t>
+            </a:r>
+            <a:r>
+              <a:rPr lang="zh-CN" altLang="en-US" sz="1150" dirty="0">
+                <a:solidFill>
+                  <a:srgbClr val="ED720F"/>
+                </a:solidFill>
+              </a:rPr>
+              <a:t> </a:t>
+            </a:r>
+            <a:r>
+              <a:rPr lang="en-US" altLang="zh-CN" sz="1150" dirty="0">
+                <a:solidFill>
+                  <a:srgbClr val="ED720F"/>
+                </a:solidFill>
+              </a:rPr>
+              <a:t>PREDICTION</a:t>
+            </a:r>
+            <a:r>
+              <a:rPr lang="zh-CN" altLang="en-US" sz="1150" dirty="0">
+                <a:solidFill>
+                  <a:srgbClr val="ED720F"/>
+                </a:solidFill>
+              </a:rPr>
+              <a:t> </a:t>
+            </a:r>
+            <a:r>
+              <a:rPr lang="en-US" altLang="zh-CN" sz="1150" dirty="0">
+                <a:solidFill>
+                  <a:srgbClr val="ED720F"/>
+                </a:solidFill>
+              </a:rPr>
+              <a:t>IN</a:t>
+            </a:r>
+            <a:r>
+              <a:rPr lang="zh-CN" altLang="en-US" sz="1150" dirty="0">
+                <a:solidFill>
+                  <a:srgbClr val="ED720F"/>
+                </a:solidFill>
+              </a:rPr>
+              <a:t> </a:t>
+            </a:r>
+            <a:r>
+              <a:rPr lang="en-US" altLang="zh-CN" sz="1150" dirty="0">
+                <a:solidFill>
+                  <a:srgbClr val="ED720F"/>
+                </a:solidFill>
+              </a:rPr>
+              <a:t>THE</a:t>
+            </a:r>
+            <a:r>
+              <a:rPr lang="zh-CN" altLang="en-US" sz="1150" dirty="0">
+                <a:solidFill>
+                  <a:srgbClr val="ED720F"/>
+                </a:solidFill>
+              </a:rPr>
+              <a:t> </a:t>
+            </a:r>
+            <a:r>
+              <a:rPr lang="en-US" altLang="zh-CN" sz="1150" dirty="0">
+                <a:solidFill>
+                  <a:srgbClr val="ED720F"/>
+                </a:solidFill>
+              </a:rPr>
+              <a:t>WILD</a:t>
+            </a:r>
+            <a:r>
+              <a:rPr lang="en-US" sz="1150" dirty="0">
+                <a:solidFill>
+                  <a:srgbClr val="ED720F"/>
+                </a:solidFill>
+              </a:rPr>
+              <a:t> </a:t>
+            </a:r>
+          </a:p>
+        </p:txBody>
+      </p:sp>
+      <p:pic>
+        <p:nvPicPr>
+          <p:cNvPr id="4" name="图片 3" descr="金色的机器人&#10;&#10;低可信度描述已自动生成">
+            <a:extLst>
+              <a:ext uri="{FF2B5EF4-FFF2-40B4-BE49-F238E27FC236}">
+                <a16:creationId xmlns:a16="http://schemas.microsoft.com/office/drawing/2014/main" id="{8FC24915-69FC-51F6-7CBB-B552C6E8AE35}"/>
+              </a:ext>
+            </a:extLst>
+          </p:cNvPr>
+          <p:cNvPicPr>
+            <a:picLocks noChangeAspect="1"/>
+          </p:cNvPicPr>
+          <p:nvPr/>
+        </p:nvPicPr>
+        <p:blipFill>
+          <a:blip r:embed="rId2">
+            <a:extLst>
+              <a:ext uri="{28A0092B-C50C-407E-A947-70E740481C1C}">
+                <a14:useLocalDpi xmlns:a14="http://schemas.microsoft.com/office/drawing/2010/main" val="0"/>
+              </a:ext>
+            </a:extLst>
+          </a:blip>
+          <a:stretch>
+            <a:fillRect/>
+          </a:stretch>
+        </p:blipFill>
+        <p:spPr>
+          <a:xfrm>
+            <a:off x="8937658" y="2264855"/>
+            <a:ext cx="1495696" cy="1495696"/>
+          </a:xfrm>
+          <a:prstGeom prst="ellipse">
+            <a:avLst/>
+          </a:prstGeom>
+          <a:ln>
+            <a:noFill/>
+          </a:ln>
+          <a:effectLst>
+            <a:softEdge rad="112500"/>
+          </a:effectLst>
+        </p:spPr>
+      </p:pic>
+    </p:spTree>
+    <p:extLst>
+      <p:ext uri="{BB962C8B-B14F-4D97-AF65-F5344CB8AC3E}">
+        <p14:creationId xmlns:p14="http://schemas.microsoft.com/office/powerpoint/2010/main" val="3902480963"/>
+      </p:ext>
+    </p:extLst>
+  </p:cSld>
+  <p:clrMapOvr>
+    <a:masterClrMapping/>
+  </p:clrMapOvr>
+</p:sld>
+</file>
+
+<file path=ppt/slides/slide3.xml><?xml version="1.0" encoding="utf-8"?>
+<p:sld xmlns:a="http://schemas.openxmlformats.org/drawingml/2006/main" xmlns:r="http://schemas.openxmlformats.org/officeDocument/2006/relationships" xmlns:p="http://schemas.openxmlformats.org/presentationml/2006/main">
+  <p:cSld>
+    <p:spTree>
+      <p:nvGrpSpPr>
+        <p:cNvPr id="1" name=""/>
+        <p:cNvGrpSpPr/>
+        <p:nvPr/>
+      </p:nvGrpSpPr>
+      <p:grpSpPr>
+        <a:xfrm>
+          <a:off x="0" y="0"/>
+          <a:ext cx="0" cy="0"/>
+          <a:chOff x="0" y="0"/>
+          <a:chExt cx="0" cy="0"/>
+        </a:xfrm>
+      </p:grpSpPr>
       <p:grpSp>
         <p:nvGrpSpPr>
-          <p:cNvPr id="11" name="Group 10"/>
+          <p:cNvPr id="5" name="组合 4">
+            <a:extLst>
+              <a:ext uri="{FF2B5EF4-FFF2-40B4-BE49-F238E27FC236}">
+                <a16:creationId xmlns:a16="http://schemas.microsoft.com/office/drawing/2014/main" id="{DA1F4DDE-3EE7-D786-73DB-CEC845B9D648}"/>
+              </a:ext>
+            </a:extLst>
+          </p:cNvPr>
           <p:cNvGrpSpPr/>
           <p:nvPr/>
         </p:nvGrpSpPr>
         <p:grpSpPr>
           <a:xfrm>
-            <a:off x="2541905" y="2500630"/>
-            <a:ext cx="7345680" cy="1497965"/>
-            <a:chOff x="5290" y="4456"/>
-            <a:chExt cx="11568" cy="2359"/>
+            <a:off x="2620010" y="2500630"/>
+            <a:ext cx="6716031" cy="1497965"/>
+            <a:chOff x="2620010" y="2500630"/>
+            <a:chExt cx="6716031" cy="1497965"/>
           </a:xfrm>
         </p:grpSpPr>
         <p:sp>
@@ -3566,8 +4224,8 @@
           </p:nvSpPr>
           <p:spPr>
             <a:xfrm>
-              <a:off x="5290" y="4456"/>
-              <a:ext cx="8620" cy="1888"/>
+              <a:off x="2877820" y="2500630"/>
+              <a:ext cx="4801235" cy="1200150"/>
             </a:xfrm>
             <a:prstGeom prst="rect">
               <a:avLst/>
@@ -3581,10 +4239,11 @@
             <a:bodyPr wrap="none" rtlCol="0" anchor="t">
               <a:spAutoFit/>
             </a:bodyPr>
+            <a:lstStyle/>
             <a:p>
               <a:pPr algn="ctr"/>
               <a:r>
-                <a:rPr lang="en-US" altLang="zh-CN" sz="7200" b="1">
+                <a:rPr lang="en-US" altLang="zh-CN" sz="7200" b="1" dirty="0">
                   <a:ln/>
                   <a:solidFill>
                     <a:schemeClr val="tx1"/>
@@ -3600,7 +4259,7 @@
                 <a:t>GAZE</a:t>
               </a:r>
               <a:r>
-                <a:rPr lang="en-US" altLang="zh-CN" sz="7200" b="1">
+                <a:rPr lang="en-US" altLang="zh-CN" sz="7200" b="1" dirty="0">
                   <a:ln w="12700">
                     <a:solidFill>
                       <a:schemeClr val="tx2">
@@ -3628,36 +4287,8 @@
                     </a:outerShdw>
                   </a:effectLst>
                 </a:rPr>
-                <a:t>2022</a:t>
+                <a:t>2024</a:t>
               </a:r>
-              <a:endParaRPr lang="en-US" altLang="zh-CN" sz="7200" b="1">
-                <a:ln w="12700">
-                  <a:solidFill>
-                    <a:schemeClr val="tx2">
-                      <a:lumMod val="75000"/>
-                    </a:schemeClr>
-                  </a:solidFill>
-                  <a:prstDash val="solid"/>
-                </a:ln>
-                <a:pattFill prst="dkUpDiag">
-                  <a:fgClr>
-                    <a:schemeClr val="tx2"/>
-                  </a:fgClr>
-                  <a:bgClr>
-                    <a:schemeClr val="tx2">
-                      <a:lumMod val="20000"/>
-                      <a:lumOff val="80000"/>
-                    </a:schemeClr>
-                  </a:bgClr>
-                </a:pattFill>
-                <a:effectLst>
-                  <a:outerShdw dist="38100" dir="2640000" algn="bl" rotWithShape="0">
-                    <a:schemeClr val="tx2">
-                      <a:lumMod val="75000"/>
-                    </a:schemeClr>
-                  </a:outerShdw>
-                </a:effectLst>
-              </a:endParaRPr>
             </a:p>
           </p:txBody>
         </p:sp>
@@ -3669,8 +4300,8 @@
           </p:nvCxnSpPr>
           <p:spPr>
             <a:xfrm flipV="1">
-              <a:off x="5565" y="6208"/>
-              <a:ext cx="8114" cy="28"/>
+              <a:off x="2716530" y="3613150"/>
+              <a:ext cx="5152390" cy="17780"/>
             </a:xfrm>
             <a:prstGeom prst="line">
               <a:avLst/>
@@ -3730,8 +4361,8 @@
           </p:nvSpPr>
           <p:spPr>
             <a:xfrm>
-              <a:off x="5413" y="6393"/>
-              <a:ext cx="9290" cy="422"/>
+              <a:off x="2620010" y="3730625"/>
+              <a:ext cx="5899150" cy="267970"/>
             </a:xfrm>
             <a:prstGeom prst="rect">
               <a:avLst/>
@@ -3742,42 +4373,64 @@
             <a:bodyPr wrap="square" rtlCol="0">
               <a:spAutoFit/>
             </a:bodyPr>
+            <a:lstStyle/>
             <a:p>
               <a:r>
-                <a:rPr lang="en-US" sz="1150"/>
-                <a:t>4th International Workshop on Gaze Estimation and Prediction in the Wild </a:t>
+                <a:rPr lang="en-US" sz="1150" dirty="0"/>
+                <a:t>6th International Workshop on Gaze Estimation and Prediction in the Wild </a:t>
               </a:r>
-              <a:endParaRPr lang="en-US" sz="1150"/>
             </a:p>
           </p:txBody>
         </p:sp>
         <p:pic>
           <p:nvPicPr>
-            <p:cNvPr id="10" name="Picture 9" descr="Nika_Akin"/>
+            <p:cNvPr id="4" name="图片 3" descr="金色的机器人&#10;&#10;低可信度描述已自动生成">
+              <a:extLst>
+                <a:ext uri="{FF2B5EF4-FFF2-40B4-BE49-F238E27FC236}">
+                  <a16:creationId xmlns:a16="http://schemas.microsoft.com/office/drawing/2014/main" id="{74789E9B-349D-7585-835B-4B15BBCFFF8C}"/>
+                </a:ext>
+              </a:extLst>
+            </p:cNvPr>
             <p:cNvPicPr>
               <a:picLocks noChangeAspect="1"/>
             </p:cNvPicPr>
             <p:nvPr/>
           </p:nvPicPr>
           <p:blipFill>
-            <a:blip r:embed="rId1"/>
-            <a:srcRect l="25543" t="13444" r="17459" b="17627"/>
+            <a:blip r:embed="rId2">
+              <a:extLst>
+                <a:ext uri="{28A0092B-C50C-407E-A947-70E740481C1C}">
+                  <a14:useLocalDpi xmlns:a14="http://schemas.microsoft.com/office/drawing/2010/main" val="0"/>
+                </a:ext>
+              </a:extLst>
+            </a:blip>
             <a:stretch>
               <a:fillRect/>
             </a:stretch>
           </p:blipFill>
           <p:spPr>
             <a:xfrm>
-              <a:off x="14138" y="4456"/>
-              <a:ext cx="2721" cy="2194"/>
+              <a:off x="7840345" y="2500630"/>
+              <a:ext cx="1495696" cy="1495696"/>
             </a:xfrm>
-            <a:prstGeom prst="rect">
+            <a:prstGeom prst="ellipse">
               <a:avLst/>
             </a:prstGeom>
+            <a:ln>
+              <a:noFill/>
+            </a:ln>
+            <a:effectLst>
+              <a:softEdge rad="112500"/>
+            </a:effectLst>
           </p:spPr>
         </p:pic>
       </p:grpSp>
     </p:spTree>
+    <p:extLst>
+      <p:ext uri="{BB962C8B-B14F-4D97-AF65-F5344CB8AC3E}">
+        <p14:creationId xmlns:p14="http://schemas.microsoft.com/office/powerpoint/2010/main" val="3338915225"/>
+      </p:ext>
+    </p:extLst>
   </p:cSld>
   <p:clrMapOvr>
     <a:masterClrMapping/>
@@ -4036,6 +4689,8 @@
       </a:bgFillStyleLst>
     </a:fmtScheme>
   </a:themeElements>
+  <a:objectDefaults/>
+  <a:extraClrSchemeLst/>
   <a:extLst>
     <a:ext uri="{05A4C25C-085E-4340-85A3-A5531E510DB2}">
       <thm15:themeFamily xmlns:thm15="http://schemas.microsoft.com/office/thememl/2012/main" name="Office Theme" id="{62F939B6-93AF-4DB8-9C6B-D6C7DFDC589F}" vid="{4A3C46E8-61CC-4603-A589-7422A47A8E4A}"/>
@@ -4295,6 +4950,8 @@
       </a:bgFillStyleLst>
     </a:fmtScheme>
   </a:themeElements>
+  <a:objectDefaults/>
+  <a:extraClrSchemeLst/>
   <a:extLst>
     <a:ext uri="{05A4C25C-085E-4340-85A3-A5531E510DB2}">
       <thm15:themeFamily xmlns:thm15="http://schemas.microsoft.com/office/thememl/2012/main" name="Office Theme" id="{62F939B6-93AF-4DB8-9C6B-D6C7DFDC589F}" vid="{4A3C46E8-61CC-4603-A589-7422A47A8E4A}"/>
@@ -4554,6 +5211,8 @@
       </a:bgFillStyleLst>
     </a:fmtScheme>
   </a:themeElements>
+  <a:objectDefaults/>
+  <a:extraClrSchemeLst/>
   <a:extLst>
     <a:ext uri="{05A4C25C-085E-4340-85A3-A5531E510DB2}">
       <thm15:themeFamily xmlns:thm15="http://schemas.microsoft.com/office/thememl/2012/main" name="Office Theme" id="{62F939B6-93AF-4DB8-9C6B-D6C7DFDC589F}" vid="{4A3C46E8-61CC-4603-A589-7422A47A8E4A}"/>

--- a/banner.pptx
+++ b/banner.pptx
@@ -3516,8 +3516,8 @@
         </p:nvSpPr>
         <p:spPr>
           <a:xfrm>
-            <a:off x="2504014" y="2664281"/>
-            <a:ext cx="5468164" cy="1200329"/>
+            <a:off x="2875109" y="2664281"/>
+            <a:ext cx="5446958" cy="1200329"/>
           </a:xfrm>
           <a:prstGeom prst="rect">
             <a:avLst/>
@@ -3528,7 +3528,7 @@
           </a:ln>
         </p:spPr>
         <p:txBody>
-          <a:bodyPr wrap="none" rtlCol="0" anchor="t">
+          <a:bodyPr wrap="square" rtlCol="0" anchor="t">
             <a:spAutoFit/>
             <a:scene3d>
               <a:camera prst="orthographicFront"/>
@@ -3544,7 +3544,7 @@
           <a:p>
             <a:pPr algn="ctr"/>
             <a:r>
-              <a:rPr lang="en-US" altLang="zh-CN" sz="7200" i="1" dirty="0">
+              <a:rPr lang="en-US" altLang="zh-CN" sz="7200" b="1" i="1" dirty="0">
                 <a:ln w="0"/>
                 <a:solidFill>
                   <a:schemeClr val="accent1"/>
@@ -3556,7 +3556,7 @@
                     </a:srgbClr>
                   </a:outerShdw>
                 </a:effectLst>
-                <a:latin typeface="+mj-lt"/>
+                <a:latin typeface="Racing Sans One" panose="02000000000000000000" pitchFamily="2" charset="0"/>
                 <a:ea typeface="STXinwei" panose="02010800040101010101" pitchFamily="2" charset="-122"/>
                 <a:cs typeface="Yuppy SC" panose="020F0603040207020204" pitchFamily="34" charset="-122"/>
               </a:rPr>
@@ -3862,310 +3862,331 @@
           <a:chExt cx="0" cy="0"/>
         </a:xfrm>
       </p:grpSpPr>
-      <p:sp>
-        <p:nvSpPr>
-          <p:cNvPr id="3" name="Rectangles 2">
+      <p:grpSp>
+        <p:nvGrpSpPr>
+          <p:cNvPr id="5" name="组合 4">
             <a:extLst>
               <a:ext uri="{FF2B5EF4-FFF2-40B4-BE49-F238E27FC236}">
-                <a16:creationId xmlns:a16="http://schemas.microsoft.com/office/drawing/2014/main" id="{C1B5C5B4-9582-20BB-4AC1-3B4035F978C0}"/>
+                <a16:creationId xmlns:a16="http://schemas.microsoft.com/office/drawing/2014/main" id="{84F6A432-F984-B9E2-6BBD-CB2BD9D68DA4}"/>
               </a:ext>
             </a:extLst>
           </p:cNvPr>
-          <p:cNvSpPr/>
+          <p:cNvGrpSpPr/>
           <p:nvPr/>
-        </p:nvSpPr>
-        <p:spPr>
+        </p:nvGrpSpPr>
+        <p:grpSpPr>
           <a:xfrm>
-            <a:off x="2645544" y="2437112"/>
-            <a:ext cx="6056466" cy="1323439"/>
+            <a:off x="2645544" y="2227873"/>
+            <a:ext cx="7767262" cy="1569660"/>
+            <a:chOff x="2645544" y="2227873"/>
+            <a:chExt cx="7767262" cy="1569660"/>
           </a:xfrm>
-          <a:prstGeom prst="rect">
-            <a:avLst/>
-          </a:prstGeom>
-          <a:noFill/>
-          <a:ln>
+        </p:grpSpPr>
+        <p:sp>
+          <p:nvSpPr>
+            <p:cNvPr id="3" name="Rectangles 2">
+              <a:extLst>
+                <a:ext uri="{FF2B5EF4-FFF2-40B4-BE49-F238E27FC236}">
+                  <a16:creationId xmlns:a16="http://schemas.microsoft.com/office/drawing/2014/main" id="{C1B5C5B4-9582-20BB-4AC1-3B4035F978C0}"/>
+                </a:ext>
+              </a:extLst>
+            </p:cNvPr>
+            <p:cNvSpPr/>
+            <p:nvPr/>
+          </p:nvSpPr>
+          <p:spPr>
+            <a:xfrm>
+              <a:off x="2645544" y="2227873"/>
+              <a:ext cx="6043642" cy="1569660"/>
+            </a:xfrm>
+            <a:prstGeom prst="rect">
+              <a:avLst/>
+            </a:prstGeom>
             <a:noFill/>
-          </a:ln>
-        </p:spPr>
-        <p:txBody>
-          <a:bodyPr wrap="none" rtlCol="0" anchor="t">
-            <a:spAutoFit/>
-            <a:scene3d>
-              <a:camera prst="orthographicFront"/>
-              <a:lightRig rig="soft" dir="t">
-                <a:rot lat="0" lon="0" rev="15600000"/>
-              </a:lightRig>
-            </a:scene3d>
-            <a:sp3d extrusionH="57150" prstMaterial="softEdge">
-              <a:bevelT w="25400" h="38100"/>
-            </a:sp3d>
-          </a:bodyPr>
-          <a:lstStyle/>
-          <a:p>
-            <a:pPr algn="ctr"/>
-            <a:r>
-              <a:rPr lang="en-US" altLang="zh-CN" sz="8000" i="1" dirty="0">
-                <a:ln w="0"/>
-                <a:solidFill>
-                  <a:srgbClr val="ED720F"/>
-                </a:solidFill>
-                <a:effectLst>
-                  <a:outerShdw blurRad="38100" dist="25400" dir="5400000" algn="ctr" rotWithShape="0">
-                    <a:srgbClr val="6E747A">
-                      <a:alpha val="43000"/>
-                    </a:srgbClr>
-                  </a:outerShdw>
-                </a:effectLst>
-                <a:latin typeface="+mj-lt"/>
-                <a:ea typeface="STXinwei" panose="02010800040101010101" pitchFamily="2" charset="-122"/>
-                <a:cs typeface="Yuppy SC" panose="020F0603040207020204" pitchFamily="34" charset="-122"/>
-              </a:rPr>
-              <a:t>GAZE2024</a:t>
-            </a:r>
-          </a:p>
-        </p:txBody>
-      </p:sp>
-      <p:sp>
-        <p:nvSpPr>
-          <p:cNvPr id="2" name="Text Box 7">
-            <a:extLst>
-              <a:ext uri="{FF2B5EF4-FFF2-40B4-BE49-F238E27FC236}">
-                <a16:creationId xmlns:a16="http://schemas.microsoft.com/office/drawing/2014/main" id="{394C05BD-8F00-6C24-A835-0D2A9F981490}"/>
-              </a:ext>
-            </a:extLst>
-          </p:cNvPr>
-          <p:cNvSpPr txBox="1"/>
-          <p:nvPr/>
-        </p:nvSpPr>
-        <p:spPr>
-          <a:xfrm>
-            <a:off x="2645544" y="3512005"/>
-            <a:ext cx="6519004" cy="269304"/>
-          </a:xfrm>
-          <a:prstGeom prst="rect">
-            <a:avLst/>
-          </a:prstGeom>
-          <a:noFill/>
-        </p:spPr>
-        <p:txBody>
-          <a:bodyPr wrap="square" rtlCol="0">
-            <a:spAutoFit/>
-          </a:bodyPr>
-          <a:lstStyle/>
-          <a:p>
-            <a:r>
-              <a:rPr lang="en-US" sz="1150" dirty="0">
-                <a:solidFill>
-                  <a:srgbClr val="ED720F"/>
-                </a:solidFill>
-              </a:rPr>
-              <a:t>6TH I</a:t>
-            </a:r>
-            <a:r>
-              <a:rPr lang="en-US" altLang="zh-CN" sz="1150" dirty="0">
-                <a:solidFill>
-                  <a:srgbClr val="ED720F"/>
-                </a:solidFill>
-              </a:rPr>
-              <a:t>NTERNATIONAL</a:t>
-            </a:r>
-            <a:r>
-              <a:rPr lang="zh-CN" altLang="en-US" sz="1150" dirty="0">
-                <a:solidFill>
-                  <a:srgbClr val="ED720F"/>
-                </a:solidFill>
-              </a:rPr>
-              <a:t> </a:t>
-            </a:r>
-            <a:r>
-              <a:rPr lang="en-US" altLang="zh-CN" sz="1150" dirty="0">
-                <a:solidFill>
-                  <a:srgbClr val="ED720F"/>
-                </a:solidFill>
-              </a:rPr>
-              <a:t>WORKSHOP</a:t>
-            </a:r>
-            <a:r>
-              <a:rPr lang="zh-CN" altLang="en-US" sz="1150" dirty="0">
-                <a:solidFill>
-                  <a:srgbClr val="ED720F"/>
-                </a:solidFill>
-              </a:rPr>
-              <a:t> </a:t>
-            </a:r>
-            <a:r>
-              <a:rPr lang="en-US" altLang="zh-CN" sz="1150" dirty="0">
-                <a:solidFill>
-                  <a:srgbClr val="ED720F"/>
-                </a:solidFill>
-              </a:rPr>
-              <a:t>ON</a:t>
-            </a:r>
-            <a:r>
-              <a:rPr lang="zh-CN" altLang="en-US" sz="1150" dirty="0">
-                <a:solidFill>
-                  <a:srgbClr val="ED720F"/>
-                </a:solidFill>
-              </a:rPr>
-              <a:t> </a:t>
-            </a:r>
-            <a:r>
-              <a:rPr lang="en-US" altLang="zh-CN" sz="1150" dirty="0">
-                <a:solidFill>
-                  <a:srgbClr val="ED720F"/>
-                </a:solidFill>
-              </a:rPr>
-              <a:t>GAZE</a:t>
-            </a:r>
-            <a:r>
-              <a:rPr lang="zh-CN" altLang="en-US" sz="1150" dirty="0">
-                <a:solidFill>
-                  <a:srgbClr val="ED720F"/>
-                </a:solidFill>
-              </a:rPr>
-              <a:t> </a:t>
-            </a:r>
-            <a:r>
-              <a:rPr lang="en-US" altLang="zh-CN" sz="1150" dirty="0">
-                <a:solidFill>
-                  <a:srgbClr val="ED720F"/>
-                </a:solidFill>
-              </a:rPr>
-              <a:t>ESTIMATION</a:t>
-            </a:r>
-            <a:r>
-              <a:rPr lang="zh-CN" altLang="en-US" sz="1150" dirty="0">
-                <a:solidFill>
-                  <a:srgbClr val="ED720F"/>
-                </a:solidFill>
-              </a:rPr>
-              <a:t> </a:t>
-            </a:r>
-            <a:r>
-              <a:rPr lang="en-US" altLang="zh-CN" sz="1150" dirty="0">
-                <a:solidFill>
-                  <a:srgbClr val="ED720F"/>
-                </a:solidFill>
-              </a:rPr>
-              <a:t>AND</a:t>
-            </a:r>
-            <a:r>
-              <a:rPr lang="zh-CN" altLang="en-US" sz="1150" dirty="0">
-                <a:solidFill>
-                  <a:srgbClr val="ED720F"/>
-                </a:solidFill>
-              </a:rPr>
-              <a:t> </a:t>
-            </a:r>
-            <a:r>
-              <a:rPr lang="en-US" altLang="zh-CN" sz="1150" dirty="0">
-                <a:solidFill>
-                  <a:srgbClr val="ED720F"/>
-                </a:solidFill>
-              </a:rPr>
-              <a:t>PREDICTION</a:t>
-            </a:r>
-            <a:r>
-              <a:rPr lang="zh-CN" altLang="en-US" sz="1150" dirty="0">
-                <a:solidFill>
-                  <a:srgbClr val="ED720F"/>
-                </a:solidFill>
-              </a:rPr>
-              <a:t> </a:t>
-            </a:r>
-            <a:r>
-              <a:rPr lang="en-US" altLang="zh-CN" sz="1150" dirty="0">
-                <a:solidFill>
-                  <a:srgbClr val="ED720F"/>
-                </a:solidFill>
-              </a:rPr>
-              <a:t>IN</a:t>
-            </a:r>
-            <a:r>
-              <a:rPr lang="zh-CN" altLang="en-US" sz="1150" dirty="0">
-                <a:solidFill>
-                  <a:srgbClr val="ED720F"/>
-                </a:solidFill>
-              </a:rPr>
-              <a:t> </a:t>
-            </a:r>
-            <a:r>
-              <a:rPr lang="en-US" altLang="zh-CN" sz="1150" dirty="0">
-                <a:solidFill>
-                  <a:srgbClr val="ED720F"/>
-                </a:solidFill>
-              </a:rPr>
-              <a:t>THE</a:t>
-            </a:r>
-            <a:r>
-              <a:rPr lang="zh-CN" altLang="en-US" sz="1150" dirty="0">
-                <a:solidFill>
-                  <a:srgbClr val="ED720F"/>
-                </a:solidFill>
-              </a:rPr>
-              <a:t> </a:t>
-            </a:r>
-            <a:r>
-              <a:rPr lang="en-US" altLang="zh-CN" sz="1150" dirty="0">
-                <a:solidFill>
-                  <a:srgbClr val="ED720F"/>
-                </a:solidFill>
-              </a:rPr>
-              <a:t>WILD</a:t>
-            </a:r>
-            <a:r>
-              <a:rPr lang="en-US" sz="1150" dirty="0">
-                <a:solidFill>
-                  <a:srgbClr val="ED720F"/>
-                </a:solidFill>
-              </a:rPr>
-              <a:t> </a:t>
-            </a:r>
-          </a:p>
-        </p:txBody>
-      </p:sp>
-      <p:pic>
-        <p:nvPicPr>
-          <p:cNvPr id="4" name="图片 3" descr="金色的机器人&#10;&#10;低可信度描述已自动生成">
-            <a:extLst>
-              <a:ext uri="{FF2B5EF4-FFF2-40B4-BE49-F238E27FC236}">
-                <a16:creationId xmlns:a16="http://schemas.microsoft.com/office/drawing/2014/main" id="{8FC24915-69FC-51F6-7CBB-B552C6E8AE35}"/>
-              </a:ext>
-            </a:extLst>
-          </p:cNvPr>
-          <p:cNvPicPr>
-            <a:picLocks noChangeAspect="1"/>
-          </p:cNvPicPr>
-          <p:nvPr/>
-        </p:nvPicPr>
-        <p:blipFill>
-          <a:blip r:embed="rId2">
-            <a:extLst>
-              <a:ext uri="{28A0092B-C50C-407E-A947-70E740481C1C}">
-                <a14:useLocalDpi xmlns:a14="http://schemas.microsoft.com/office/drawing/2010/main" val="0"/>
-              </a:ext>
-            </a:extLst>
-          </a:blip>
-          <a:stretch>
-            <a:fillRect/>
-          </a:stretch>
-        </p:blipFill>
-        <p:spPr>
-          <a:xfrm>
-            <a:off x="8937658" y="2264855"/>
-            <a:ext cx="1495696" cy="1495696"/>
-          </a:xfrm>
-          <a:prstGeom prst="ellipse">
-            <a:avLst/>
-          </a:prstGeom>
-          <a:ln>
+            <a:ln>
+              <a:noFill/>
+            </a:ln>
+          </p:spPr>
+          <p:txBody>
+            <a:bodyPr wrap="none" rtlCol="0" anchor="t">
+              <a:spAutoFit/>
+              <a:scene3d>
+                <a:camera prst="orthographicFront"/>
+                <a:lightRig rig="soft" dir="t">
+                  <a:rot lat="0" lon="0" rev="15600000"/>
+                </a:lightRig>
+              </a:scene3d>
+              <a:sp3d extrusionH="57150" prstMaterial="softEdge">
+                <a:bevelT w="25400" h="38100"/>
+              </a:sp3d>
+            </a:bodyPr>
+            <a:lstStyle/>
+            <a:p>
+              <a:pPr algn="ctr"/>
+              <a:r>
+                <a:rPr lang="en-US" altLang="zh-CN" sz="9600" i="1" dirty="0">
+                  <a:ln w="0"/>
+                  <a:solidFill>
+                    <a:srgbClr val="ED720F"/>
+                  </a:solidFill>
+                  <a:effectLst>
+                    <a:outerShdw blurRad="38100" dist="25400" dir="5400000" algn="ctr" rotWithShape="0">
+                      <a:srgbClr val="6E747A">
+                        <a:alpha val="43000"/>
+                      </a:srgbClr>
+                    </a:outerShdw>
+                  </a:effectLst>
+                  <a:latin typeface="Racing Sans One" panose="02000000000000000000" pitchFamily="2" charset="0"/>
+                  <a:ea typeface="STXinwei" panose="02010800040101010101" pitchFamily="2" charset="-122"/>
+                  <a:cs typeface="Yuppy SC" panose="020F0603040207020204" pitchFamily="34" charset="-122"/>
+                </a:rPr>
+                <a:t>GAZE2024</a:t>
+              </a:r>
+            </a:p>
+          </p:txBody>
+        </p:sp>
+        <p:sp>
+          <p:nvSpPr>
+            <p:cNvPr id="2" name="Text Box 7">
+              <a:extLst>
+                <a:ext uri="{FF2B5EF4-FFF2-40B4-BE49-F238E27FC236}">
+                  <a16:creationId xmlns:a16="http://schemas.microsoft.com/office/drawing/2014/main" id="{394C05BD-8F00-6C24-A835-0D2A9F981490}"/>
+                </a:ext>
+              </a:extLst>
+            </p:cNvPr>
+            <p:cNvSpPr txBox="1"/>
+            <p:nvPr/>
+          </p:nvSpPr>
+          <p:spPr>
+            <a:xfrm>
+              <a:off x="2645544" y="3512005"/>
+              <a:ext cx="6519004" cy="269304"/>
+            </a:xfrm>
+            <a:prstGeom prst="rect">
+              <a:avLst/>
+            </a:prstGeom>
             <a:noFill/>
-          </a:ln>
-          <a:effectLst>
-            <a:softEdge rad="112500"/>
-          </a:effectLst>
-        </p:spPr>
-      </p:pic>
+          </p:spPr>
+          <p:txBody>
+            <a:bodyPr wrap="square" rtlCol="0">
+              <a:spAutoFit/>
+            </a:bodyPr>
+            <a:lstStyle/>
+            <a:p>
+              <a:r>
+                <a:rPr lang="en-US" sz="1150" dirty="0">
+                  <a:solidFill>
+                    <a:srgbClr val="ED720F"/>
+                  </a:solidFill>
+                </a:rPr>
+                <a:t>6TH I</a:t>
+              </a:r>
+              <a:r>
+                <a:rPr lang="en-US" altLang="zh-CN" sz="1150" dirty="0">
+                  <a:solidFill>
+                    <a:srgbClr val="ED720F"/>
+                  </a:solidFill>
+                </a:rPr>
+                <a:t>NTERNATIONAL</a:t>
+              </a:r>
+              <a:r>
+                <a:rPr lang="zh-CN" altLang="en-US" sz="1150" dirty="0">
+                  <a:solidFill>
+                    <a:srgbClr val="ED720F"/>
+                  </a:solidFill>
+                </a:rPr>
+                <a:t> </a:t>
+              </a:r>
+              <a:r>
+                <a:rPr lang="en-US" altLang="zh-CN" sz="1150" dirty="0">
+                  <a:solidFill>
+                    <a:srgbClr val="ED720F"/>
+                  </a:solidFill>
+                </a:rPr>
+                <a:t>WORKSHOP</a:t>
+              </a:r>
+              <a:r>
+                <a:rPr lang="zh-CN" altLang="en-US" sz="1150" dirty="0">
+                  <a:solidFill>
+                    <a:srgbClr val="ED720F"/>
+                  </a:solidFill>
+                </a:rPr>
+                <a:t> </a:t>
+              </a:r>
+              <a:r>
+                <a:rPr lang="en-US" altLang="zh-CN" sz="1150" dirty="0">
+                  <a:solidFill>
+                    <a:srgbClr val="ED720F"/>
+                  </a:solidFill>
+                </a:rPr>
+                <a:t>ON</a:t>
+              </a:r>
+              <a:r>
+                <a:rPr lang="zh-CN" altLang="en-US" sz="1150" dirty="0">
+                  <a:solidFill>
+                    <a:srgbClr val="ED720F"/>
+                  </a:solidFill>
+                </a:rPr>
+                <a:t> </a:t>
+              </a:r>
+              <a:r>
+                <a:rPr lang="en-US" altLang="zh-CN" sz="1150" dirty="0">
+                  <a:solidFill>
+                    <a:srgbClr val="ED720F"/>
+                  </a:solidFill>
+                </a:rPr>
+                <a:t>GAZE</a:t>
+              </a:r>
+              <a:r>
+                <a:rPr lang="zh-CN" altLang="en-US" sz="1150" dirty="0">
+                  <a:solidFill>
+                    <a:srgbClr val="ED720F"/>
+                  </a:solidFill>
+                </a:rPr>
+                <a:t> </a:t>
+              </a:r>
+              <a:r>
+                <a:rPr lang="en-US" altLang="zh-CN" sz="1150" dirty="0">
+                  <a:solidFill>
+                    <a:srgbClr val="ED720F"/>
+                  </a:solidFill>
+                </a:rPr>
+                <a:t>ESTIMATION</a:t>
+              </a:r>
+              <a:r>
+                <a:rPr lang="zh-CN" altLang="en-US" sz="1150" dirty="0">
+                  <a:solidFill>
+                    <a:srgbClr val="ED720F"/>
+                  </a:solidFill>
+                </a:rPr>
+                <a:t> </a:t>
+              </a:r>
+              <a:r>
+                <a:rPr lang="en-US" altLang="zh-CN" sz="1150" dirty="0">
+                  <a:solidFill>
+                    <a:srgbClr val="ED720F"/>
+                  </a:solidFill>
+                </a:rPr>
+                <a:t>AND</a:t>
+              </a:r>
+              <a:r>
+                <a:rPr lang="zh-CN" altLang="en-US" sz="1150" dirty="0">
+                  <a:solidFill>
+                    <a:srgbClr val="ED720F"/>
+                  </a:solidFill>
+                </a:rPr>
+                <a:t> </a:t>
+              </a:r>
+              <a:r>
+                <a:rPr lang="en-US" altLang="zh-CN" sz="1150" dirty="0">
+                  <a:solidFill>
+                    <a:srgbClr val="ED720F"/>
+                  </a:solidFill>
+                </a:rPr>
+                <a:t>PREDICTION</a:t>
+              </a:r>
+              <a:r>
+                <a:rPr lang="zh-CN" altLang="en-US" sz="1150" dirty="0">
+                  <a:solidFill>
+                    <a:srgbClr val="ED720F"/>
+                  </a:solidFill>
+                </a:rPr>
+                <a:t> </a:t>
+              </a:r>
+              <a:r>
+                <a:rPr lang="en-US" altLang="zh-CN" sz="1150" dirty="0">
+                  <a:solidFill>
+                    <a:srgbClr val="ED720F"/>
+                  </a:solidFill>
+                </a:rPr>
+                <a:t>IN</a:t>
+              </a:r>
+              <a:r>
+                <a:rPr lang="zh-CN" altLang="en-US" sz="1150" dirty="0">
+                  <a:solidFill>
+                    <a:srgbClr val="ED720F"/>
+                  </a:solidFill>
+                </a:rPr>
+                <a:t> </a:t>
+              </a:r>
+              <a:r>
+                <a:rPr lang="en-US" altLang="zh-CN" sz="1150" dirty="0">
+                  <a:solidFill>
+                    <a:srgbClr val="ED720F"/>
+                  </a:solidFill>
+                </a:rPr>
+                <a:t>THE</a:t>
+              </a:r>
+              <a:r>
+                <a:rPr lang="zh-CN" altLang="en-US" sz="1150" dirty="0">
+                  <a:solidFill>
+                    <a:srgbClr val="ED720F"/>
+                  </a:solidFill>
+                </a:rPr>
+                <a:t> </a:t>
+              </a:r>
+              <a:r>
+                <a:rPr lang="en-US" altLang="zh-CN" sz="1150" dirty="0">
+                  <a:solidFill>
+                    <a:srgbClr val="ED720F"/>
+                  </a:solidFill>
+                </a:rPr>
+                <a:t>WILD</a:t>
+              </a:r>
+              <a:r>
+                <a:rPr lang="en-US" sz="1150" dirty="0">
+                  <a:solidFill>
+                    <a:srgbClr val="ED720F"/>
+                  </a:solidFill>
+                </a:rPr>
+                <a:t> </a:t>
+              </a:r>
+            </a:p>
+          </p:txBody>
+        </p:sp>
+        <p:pic>
+          <p:nvPicPr>
+            <p:cNvPr id="4" name="图片 3" descr="金色的机器人&#10;&#10;低可信度描述已自动生成">
+              <a:extLst>
+                <a:ext uri="{FF2B5EF4-FFF2-40B4-BE49-F238E27FC236}">
+                  <a16:creationId xmlns:a16="http://schemas.microsoft.com/office/drawing/2014/main" id="{8FC24915-69FC-51F6-7CBB-B552C6E8AE35}"/>
+                </a:ext>
+              </a:extLst>
+            </p:cNvPr>
+            <p:cNvPicPr>
+              <a:picLocks noChangeAspect="1"/>
+            </p:cNvPicPr>
+            <p:nvPr/>
+          </p:nvPicPr>
+          <p:blipFill>
+            <a:blip r:embed="rId2">
+              <a:extLst>
+                <a:ext uri="{28A0092B-C50C-407E-A947-70E740481C1C}">
+                  <a14:useLocalDpi xmlns:a14="http://schemas.microsoft.com/office/drawing/2010/main" val="0"/>
+                </a:ext>
+              </a:extLst>
+            </a:blip>
+            <a:stretch>
+              <a:fillRect/>
+            </a:stretch>
+          </p:blipFill>
+          <p:spPr>
+            <a:xfrm>
+              <a:off x="8917110" y="2301837"/>
+              <a:ext cx="1495696" cy="1495696"/>
+            </a:xfrm>
+            <a:prstGeom prst="ellipse">
+              <a:avLst/>
+            </a:prstGeom>
+            <a:ln>
+              <a:noFill/>
+            </a:ln>
+            <a:effectLst>
+              <a:softEdge rad="112500"/>
+            </a:effectLst>
+          </p:spPr>
+        </p:pic>
+      </p:grpSp>
     </p:spTree>
     <p:extLst>
       <p:ext uri="{BB962C8B-B14F-4D97-AF65-F5344CB8AC3E}">
